--- a/ppt 16-9/1205.安葬礼拜.pptx
+++ b/ppt 16-9/1205.安葬礼拜.pptx
@@ -5,7 +5,7 @@
     <p:sldMasterId id="2147483648" r:id="rId1"/>
   </p:sldMasterIdLst>
   <p:sldIdLst>
-    <p:sldId id="732" r:id="rId2"/>
+    <p:sldId id="734" r:id="rId2"/>
   </p:sldIdLst>
   <p:sldSz cx="12192000" cy="6858000"/>
   <p:notesSz cx="6858000" cy="9144000"/>
@@ -129,7 +129,7 @@
           <p:cNvPr id="2" name="标题 1">
             <a:extLst>
               <a:ext uri="{FF2B5EF4-FFF2-40B4-BE49-F238E27FC236}">
-                <a16:creationId xmlns:a16="http://schemas.microsoft.com/office/drawing/2014/main" id="{87B60C89-0902-A06C-8FF5-D73246A3642F}"/>
+                <a16:creationId xmlns:a16="http://schemas.microsoft.com/office/drawing/2014/main" id="{F61710F1-6D94-B576-7EA2-5D0A6A7FFB3F}"/>
               </a:ext>
             </a:extLst>
           </p:cNvPr>
@@ -166,7 +166,7 @@
           <p:cNvPr id="3" name="副标题 2">
             <a:extLst>
               <a:ext uri="{FF2B5EF4-FFF2-40B4-BE49-F238E27FC236}">
-                <a16:creationId xmlns:a16="http://schemas.microsoft.com/office/drawing/2014/main" id="{B36386FB-B8F2-27EA-CC16-9817D3FDD28F}"/>
+                <a16:creationId xmlns:a16="http://schemas.microsoft.com/office/drawing/2014/main" id="{32BCFD06-118B-41E6-8F6B-15CA37933634}"/>
               </a:ext>
             </a:extLst>
           </p:cNvPr>
@@ -236,7 +236,7 @@
           <p:cNvPr id="4" name="日期占位符 3">
             <a:extLst>
               <a:ext uri="{FF2B5EF4-FFF2-40B4-BE49-F238E27FC236}">
-                <a16:creationId xmlns:a16="http://schemas.microsoft.com/office/drawing/2014/main" id="{ECD034FE-EEFA-D228-DF5F-72666A9B2E49}"/>
+                <a16:creationId xmlns:a16="http://schemas.microsoft.com/office/drawing/2014/main" id="{78727DEB-792D-EBF6-29B2-733D6DCA8DCF}"/>
               </a:ext>
             </a:extLst>
           </p:cNvPr>
@@ -252,7 +252,7 @@
           <a:bodyPr/>
           <a:lstStyle/>
           <a:p>
-            <a:fld id="{46C7BE6A-CD63-44E9-84C6-F009B6486BDC}" type="datetimeFigureOut">
+            <a:fld id="{36C22A85-5F95-442E-83F5-74F55EF45617}" type="datetimeFigureOut">
               <a:rPr lang="zh-CN" altLang="en-US" smtClean="0"/>
               <a:t>2024/3/10</a:t>
             </a:fld>
@@ -265,7 +265,7 @@
           <p:cNvPr id="5" name="页脚占位符 4">
             <a:extLst>
               <a:ext uri="{FF2B5EF4-FFF2-40B4-BE49-F238E27FC236}">
-                <a16:creationId xmlns:a16="http://schemas.microsoft.com/office/drawing/2014/main" id="{201170F6-309E-9160-6312-F0CE14E15B77}"/>
+                <a16:creationId xmlns:a16="http://schemas.microsoft.com/office/drawing/2014/main" id="{4AB3A8E2-789F-1372-99C9-4B0EF18431FB}"/>
               </a:ext>
             </a:extLst>
           </p:cNvPr>
@@ -290,7 +290,7 @@
           <p:cNvPr id="6" name="灯片编号占位符 5">
             <a:extLst>
               <a:ext uri="{FF2B5EF4-FFF2-40B4-BE49-F238E27FC236}">
-                <a16:creationId xmlns:a16="http://schemas.microsoft.com/office/drawing/2014/main" id="{7A422FD7-625F-1BD2-27EE-532480DA42E2}"/>
+                <a16:creationId xmlns:a16="http://schemas.microsoft.com/office/drawing/2014/main" id="{A9EDB875-9151-1AFB-F432-65C10C79C4B9}"/>
               </a:ext>
             </a:extLst>
           </p:cNvPr>
@@ -306,7 +306,7 @@
           <a:bodyPr/>
           <a:lstStyle/>
           <a:p>
-            <a:fld id="{33E1B5FD-3231-4F97-9C03-69EF16ACACB2}" type="slidenum">
+            <a:fld id="{F7E31378-459B-4380-B3F0-DEE4C3555A97}" type="slidenum">
               <a:rPr lang="zh-CN" altLang="en-US" smtClean="0"/>
               <a:t>‹#›</a:t>
             </a:fld>
@@ -317,7 +317,7 @@
     </p:spTree>
     <p:extLst>
       <p:ext uri="{BB962C8B-B14F-4D97-AF65-F5344CB8AC3E}">
-        <p14:creationId xmlns:p14="http://schemas.microsoft.com/office/powerpoint/2010/main" val="2539871433"/>
+        <p14:creationId xmlns:p14="http://schemas.microsoft.com/office/powerpoint/2010/main" val="2186390157"/>
       </p:ext>
     </p:extLst>
   </p:cSld>
@@ -349,7 +349,7 @@
           <p:cNvPr id="2" name="标题 1">
             <a:extLst>
               <a:ext uri="{FF2B5EF4-FFF2-40B4-BE49-F238E27FC236}">
-                <a16:creationId xmlns:a16="http://schemas.microsoft.com/office/drawing/2014/main" id="{7C4EFED1-A867-685F-D4BE-576D343EC3B9}"/>
+                <a16:creationId xmlns:a16="http://schemas.microsoft.com/office/drawing/2014/main" id="{64EFDBB1-2906-C4E1-DF54-1DD78A137AD1}"/>
               </a:ext>
             </a:extLst>
           </p:cNvPr>
@@ -377,7 +377,7 @@
           <p:cNvPr id="3" name="竖排文字占位符 2">
             <a:extLst>
               <a:ext uri="{FF2B5EF4-FFF2-40B4-BE49-F238E27FC236}">
-                <a16:creationId xmlns:a16="http://schemas.microsoft.com/office/drawing/2014/main" id="{4CA5D2D1-BC38-0629-D027-9E67AF9FA8EA}"/>
+                <a16:creationId xmlns:a16="http://schemas.microsoft.com/office/drawing/2014/main" id="{242F657E-5302-9CDC-525C-EBBA59AF36AE}"/>
               </a:ext>
             </a:extLst>
           </p:cNvPr>
@@ -434,7 +434,7 @@
           <p:cNvPr id="4" name="日期占位符 3">
             <a:extLst>
               <a:ext uri="{FF2B5EF4-FFF2-40B4-BE49-F238E27FC236}">
-                <a16:creationId xmlns:a16="http://schemas.microsoft.com/office/drawing/2014/main" id="{B9E56DF1-4739-04D8-8779-6163B83FD453}"/>
+                <a16:creationId xmlns:a16="http://schemas.microsoft.com/office/drawing/2014/main" id="{9DC819E3-78B2-9EF1-50AE-19F09C146761}"/>
               </a:ext>
             </a:extLst>
           </p:cNvPr>
@@ -450,7 +450,7 @@
           <a:bodyPr/>
           <a:lstStyle/>
           <a:p>
-            <a:fld id="{46C7BE6A-CD63-44E9-84C6-F009B6486BDC}" type="datetimeFigureOut">
+            <a:fld id="{36C22A85-5F95-442E-83F5-74F55EF45617}" type="datetimeFigureOut">
               <a:rPr lang="zh-CN" altLang="en-US" smtClean="0"/>
               <a:t>2024/3/10</a:t>
             </a:fld>
@@ -463,7 +463,7 @@
           <p:cNvPr id="5" name="页脚占位符 4">
             <a:extLst>
               <a:ext uri="{FF2B5EF4-FFF2-40B4-BE49-F238E27FC236}">
-                <a16:creationId xmlns:a16="http://schemas.microsoft.com/office/drawing/2014/main" id="{556A8E11-6C3E-2D5A-E2D1-2304CB28B85F}"/>
+                <a16:creationId xmlns:a16="http://schemas.microsoft.com/office/drawing/2014/main" id="{7D2008AE-345E-46DA-1531-1B75A6A024C7}"/>
               </a:ext>
             </a:extLst>
           </p:cNvPr>
@@ -488,7 +488,7 @@
           <p:cNvPr id="6" name="灯片编号占位符 5">
             <a:extLst>
               <a:ext uri="{FF2B5EF4-FFF2-40B4-BE49-F238E27FC236}">
-                <a16:creationId xmlns:a16="http://schemas.microsoft.com/office/drawing/2014/main" id="{89025823-FB02-D431-ECA1-32369C5B22B2}"/>
+                <a16:creationId xmlns:a16="http://schemas.microsoft.com/office/drawing/2014/main" id="{E320AE3A-8CA6-F19F-3F38-134FB06BF60D}"/>
               </a:ext>
             </a:extLst>
           </p:cNvPr>
@@ -504,7 +504,7 @@
           <a:bodyPr/>
           <a:lstStyle/>
           <a:p>
-            <a:fld id="{33E1B5FD-3231-4F97-9C03-69EF16ACACB2}" type="slidenum">
+            <a:fld id="{F7E31378-459B-4380-B3F0-DEE4C3555A97}" type="slidenum">
               <a:rPr lang="zh-CN" altLang="en-US" smtClean="0"/>
               <a:t>‹#›</a:t>
             </a:fld>
@@ -515,7 +515,7 @@
     </p:spTree>
     <p:extLst>
       <p:ext uri="{BB962C8B-B14F-4D97-AF65-F5344CB8AC3E}">
-        <p14:creationId xmlns:p14="http://schemas.microsoft.com/office/powerpoint/2010/main" val="731076484"/>
+        <p14:creationId xmlns:p14="http://schemas.microsoft.com/office/powerpoint/2010/main" val="4020445410"/>
       </p:ext>
     </p:extLst>
   </p:cSld>
@@ -547,7 +547,7 @@
           <p:cNvPr id="2" name="竖排标题 1">
             <a:extLst>
               <a:ext uri="{FF2B5EF4-FFF2-40B4-BE49-F238E27FC236}">
-                <a16:creationId xmlns:a16="http://schemas.microsoft.com/office/drawing/2014/main" id="{1C306B06-BF80-1FD3-A959-3F0C8537B194}"/>
+                <a16:creationId xmlns:a16="http://schemas.microsoft.com/office/drawing/2014/main" id="{CA3DD087-CA2D-88A7-BB3D-79746D88565F}"/>
               </a:ext>
             </a:extLst>
           </p:cNvPr>
@@ -580,7 +580,7 @@
           <p:cNvPr id="3" name="竖排文字占位符 2">
             <a:extLst>
               <a:ext uri="{FF2B5EF4-FFF2-40B4-BE49-F238E27FC236}">
-                <a16:creationId xmlns:a16="http://schemas.microsoft.com/office/drawing/2014/main" id="{21FC9316-CD52-8867-E918-9EFD86E2E449}"/>
+                <a16:creationId xmlns:a16="http://schemas.microsoft.com/office/drawing/2014/main" id="{A7FEFBC3-7EF2-DC8A-8913-E02E54B8025B}"/>
               </a:ext>
             </a:extLst>
           </p:cNvPr>
@@ -642,7 +642,7 @@
           <p:cNvPr id="4" name="日期占位符 3">
             <a:extLst>
               <a:ext uri="{FF2B5EF4-FFF2-40B4-BE49-F238E27FC236}">
-                <a16:creationId xmlns:a16="http://schemas.microsoft.com/office/drawing/2014/main" id="{ABBF298B-B73B-BCF5-A5A7-BA071BF2CBAB}"/>
+                <a16:creationId xmlns:a16="http://schemas.microsoft.com/office/drawing/2014/main" id="{6F5932EC-9605-F8AA-92BB-018CE5B332B8}"/>
               </a:ext>
             </a:extLst>
           </p:cNvPr>
@@ -658,7 +658,7 @@
           <a:bodyPr/>
           <a:lstStyle/>
           <a:p>
-            <a:fld id="{46C7BE6A-CD63-44E9-84C6-F009B6486BDC}" type="datetimeFigureOut">
+            <a:fld id="{36C22A85-5F95-442E-83F5-74F55EF45617}" type="datetimeFigureOut">
               <a:rPr lang="zh-CN" altLang="en-US" smtClean="0"/>
               <a:t>2024/3/10</a:t>
             </a:fld>
@@ -671,7 +671,7 @@
           <p:cNvPr id="5" name="页脚占位符 4">
             <a:extLst>
               <a:ext uri="{FF2B5EF4-FFF2-40B4-BE49-F238E27FC236}">
-                <a16:creationId xmlns:a16="http://schemas.microsoft.com/office/drawing/2014/main" id="{628DE79D-7580-9D65-86AE-F9EB7D73B2FA}"/>
+                <a16:creationId xmlns:a16="http://schemas.microsoft.com/office/drawing/2014/main" id="{0D56F333-6397-118F-5238-ADBA1326511E}"/>
               </a:ext>
             </a:extLst>
           </p:cNvPr>
@@ -696,7 +696,7 @@
           <p:cNvPr id="6" name="灯片编号占位符 5">
             <a:extLst>
               <a:ext uri="{FF2B5EF4-FFF2-40B4-BE49-F238E27FC236}">
-                <a16:creationId xmlns:a16="http://schemas.microsoft.com/office/drawing/2014/main" id="{9C7F139E-6387-61F5-B77B-A04F75770C29}"/>
+                <a16:creationId xmlns:a16="http://schemas.microsoft.com/office/drawing/2014/main" id="{34A0363A-9319-9407-0B2E-707F23E7F88B}"/>
               </a:ext>
             </a:extLst>
           </p:cNvPr>
@@ -712,7 +712,7 @@
           <a:bodyPr/>
           <a:lstStyle/>
           <a:p>
-            <a:fld id="{33E1B5FD-3231-4F97-9C03-69EF16ACACB2}" type="slidenum">
+            <a:fld id="{F7E31378-459B-4380-B3F0-DEE4C3555A97}" type="slidenum">
               <a:rPr lang="zh-CN" altLang="en-US" smtClean="0"/>
               <a:t>‹#›</a:t>
             </a:fld>
@@ -723,7 +723,7 @@
     </p:spTree>
     <p:extLst>
       <p:ext uri="{BB962C8B-B14F-4D97-AF65-F5344CB8AC3E}">
-        <p14:creationId xmlns:p14="http://schemas.microsoft.com/office/powerpoint/2010/main" val="165886271"/>
+        <p14:creationId xmlns:p14="http://schemas.microsoft.com/office/powerpoint/2010/main" val="4265707671"/>
       </p:ext>
     </p:extLst>
   </p:cSld>
@@ -755,7 +755,7 @@
           <p:cNvPr id="2" name="标题 1">
             <a:extLst>
               <a:ext uri="{FF2B5EF4-FFF2-40B4-BE49-F238E27FC236}">
-                <a16:creationId xmlns:a16="http://schemas.microsoft.com/office/drawing/2014/main" id="{0E47075A-0C9E-0E8E-C02F-2C7EF19E586C}"/>
+                <a16:creationId xmlns:a16="http://schemas.microsoft.com/office/drawing/2014/main" id="{E9E2D598-4542-605A-F520-E8B8BD99502D}"/>
               </a:ext>
             </a:extLst>
           </p:cNvPr>
@@ -783,7 +783,7 @@
           <p:cNvPr id="3" name="内容占位符 2">
             <a:extLst>
               <a:ext uri="{FF2B5EF4-FFF2-40B4-BE49-F238E27FC236}">
-                <a16:creationId xmlns:a16="http://schemas.microsoft.com/office/drawing/2014/main" id="{88CC3847-AC0B-D850-355E-04569F2937A5}"/>
+                <a16:creationId xmlns:a16="http://schemas.microsoft.com/office/drawing/2014/main" id="{710A2E09-732C-966A-3B25-28DB74BC0CCF}"/>
               </a:ext>
             </a:extLst>
           </p:cNvPr>
@@ -840,7 +840,7 @@
           <p:cNvPr id="4" name="日期占位符 3">
             <a:extLst>
               <a:ext uri="{FF2B5EF4-FFF2-40B4-BE49-F238E27FC236}">
-                <a16:creationId xmlns:a16="http://schemas.microsoft.com/office/drawing/2014/main" id="{874353C1-2DC3-B86E-C4CF-3C6820969625}"/>
+                <a16:creationId xmlns:a16="http://schemas.microsoft.com/office/drawing/2014/main" id="{C9CC916E-A835-8719-3C7B-E9903BFCC069}"/>
               </a:ext>
             </a:extLst>
           </p:cNvPr>
@@ -856,7 +856,7 @@
           <a:bodyPr/>
           <a:lstStyle/>
           <a:p>
-            <a:fld id="{46C7BE6A-CD63-44E9-84C6-F009B6486BDC}" type="datetimeFigureOut">
+            <a:fld id="{36C22A85-5F95-442E-83F5-74F55EF45617}" type="datetimeFigureOut">
               <a:rPr lang="zh-CN" altLang="en-US" smtClean="0"/>
               <a:t>2024/3/10</a:t>
             </a:fld>
@@ -869,7 +869,7 @@
           <p:cNvPr id="5" name="页脚占位符 4">
             <a:extLst>
               <a:ext uri="{FF2B5EF4-FFF2-40B4-BE49-F238E27FC236}">
-                <a16:creationId xmlns:a16="http://schemas.microsoft.com/office/drawing/2014/main" id="{B6B76897-D465-B62A-E85E-44F43861C925}"/>
+                <a16:creationId xmlns:a16="http://schemas.microsoft.com/office/drawing/2014/main" id="{B365DE10-B8BE-894D-2940-3B4DF0ABF4DB}"/>
               </a:ext>
             </a:extLst>
           </p:cNvPr>
@@ -894,7 +894,7 @@
           <p:cNvPr id="6" name="灯片编号占位符 5">
             <a:extLst>
               <a:ext uri="{FF2B5EF4-FFF2-40B4-BE49-F238E27FC236}">
-                <a16:creationId xmlns:a16="http://schemas.microsoft.com/office/drawing/2014/main" id="{445A3369-C3FB-D8D4-5AA2-D78FB40CC480}"/>
+                <a16:creationId xmlns:a16="http://schemas.microsoft.com/office/drawing/2014/main" id="{BEC51BE1-30CE-5C57-B6B6-4A0DD98AEF0F}"/>
               </a:ext>
             </a:extLst>
           </p:cNvPr>
@@ -910,7 +910,7 @@
           <a:bodyPr/>
           <a:lstStyle/>
           <a:p>
-            <a:fld id="{33E1B5FD-3231-4F97-9C03-69EF16ACACB2}" type="slidenum">
+            <a:fld id="{F7E31378-459B-4380-B3F0-DEE4C3555A97}" type="slidenum">
               <a:rPr lang="zh-CN" altLang="en-US" smtClean="0"/>
               <a:t>‹#›</a:t>
             </a:fld>
@@ -921,7 +921,7 @@
     </p:spTree>
     <p:extLst>
       <p:ext uri="{BB962C8B-B14F-4D97-AF65-F5344CB8AC3E}">
-        <p14:creationId xmlns:p14="http://schemas.microsoft.com/office/powerpoint/2010/main" val="3181654425"/>
+        <p14:creationId xmlns:p14="http://schemas.microsoft.com/office/powerpoint/2010/main" val="1224040584"/>
       </p:ext>
     </p:extLst>
   </p:cSld>
@@ -953,7 +953,7 @@
           <p:cNvPr id="2" name="标题 1">
             <a:extLst>
               <a:ext uri="{FF2B5EF4-FFF2-40B4-BE49-F238E27FC236}">
-                <a16:creationId xmlns:a16="http://schemas.microsoft.com/office/drawing/2014/main" id="{C9EF0A7C-2E57-FC79-8379-44E003870A33}"/>
+                <a16:creationId xmlns:a16="http://schemas.microsoft.com/office/drawing/2014/main" id="{1C981E7D-FB97-5F02-E9AA-0990EBC792ED}"/>
               </a:ext>
             </a:extLst>
           </p:cNvPr>
@@ -990,7 +990,7 @@
           <p:cNvPr id="3" name="文本占位符 2">
             <a:extLst>
               <a:ext uri="{FF2B5EF4-FFF2-40B4-BE49-F238E27FC236}">
-                <a16:creationId xmlns:a16="http://schemas.microsoft.com/office/drawing/2014/main" id="{00C1F1C4-0642-3BC5-9DB0-200E970F4059}"/>
+                <a16:creationId xmlns:a16="http://schemas.microsoft.com/office/drawing/2014/main" id="{1C30A756-0601-C21D-CE37-D96407155BE9}"/>
               </a:ext>
             </a:extLst>
           </p:cNvPr>
@@ -1115,7 +1115,7 @@
           <p:cNvPr id="4" name="日期占位符 3">
             <a:extLst>
               <a:ext uri="{FF2B5EF4-FFF2-40B4-BE49-F238E27FC236}">
-                <a16:creationId xmlns:a16="http://schemas.microsoft.com/office/drawing/2014/main" id="{7FEE733D-5F44-4E63-813F-21E6EA81025F}"/>
+                <a16:creationId xmlns:a16="http://schemas.microsoft.com/office/drawing/2014/main" id="{54193278-1404-607C-27AD-D18AC4082E04}"/>
               </a:ext>
             </a:extLst>
           </p:cNvPr>
@@ -1131,7 +1131,7 @@
           <a:bodyPr/>
           <a:lstStyle/>
           <a:p>
-            <a:fld id="{46C7BE6A-CD63-44E9-84C6-F009B6486BDC}" type="datetimeFigureOut">
+            <a:fld id="{36C22A85-5F95-442E-83F5-74F55EF45617}" type="datetimeFigureOut">
               <a:rPr lang="zh-CN" altLang="en-US" smtClean="0"/>
               <a:t>2024/3/10</a:t>
             </a:fld>
@@ -1144,7 +1144,7 @@
           <p:cNvPr id="5" name="页脚占位符 4">
             <a:extLst>
               <a:ext uri="{FF2B5EF4-FFF2-40B4-BE49-F238E27FC236}">
-                <a16:creationId xmlns:a16="http://schemas.microsoft.com/office/drawing/2014/main" id="{A0112A9F-748B-2334-C646-EDEBE5D4DFC3}"/>
+                <a16:creationId xmlns:a16="http://schemas.microsoft.com/office/drawing/2014/main" id="{B5A69B81-6055-AA91-BE6F-EA78DB6CD64E}"/>
               </a:ext>
             </a:extLst>
           </p:cNvPr>
@@ -1169,7 +1169,7 @@
           <p:cNvPr id="6" name="灯片编号占位符 5">
             <a:extLst>
               <a:ext uri="{FF2B5EF4-FFF2-40B4-BE49-F238E27FC236}">
-                <a16:creationId xmlns:a16="http://schemas.microsoft.com/office/drawing/2014/main" id="{0A3EC52B-FEE2-613B-CF1B-63BDC7C202F0}"/>
+                <a16:creationId xmlns:a16="http://schemas.microsoft.com/office/drawing/2014/main" id="{54E2ECB2-2FCB-F597-1044-626E0F4B7F9A}"/>
               </a:ext>
             </a:extLst>
           </p:cNvPr>
@@ -1185,7 +1185,7 @@
           <a:bodyPr/>
           <a:lstStyle/>
           <a:p>
-            <a:fld id="{33E1B5FD-3231-4F97-9C03-69EF16ACACB2}" type="slidenum">
+            <a:fld id="{F7E31378-459B-4380-B3F0-DEE4C3555A97}" type="slidenum">
               <a:rPr lang="zh-CN" altLang="en-US" smtClean="0"/>
               <a:t>‹#›</a:t>
             </a:fld>
@@ -1196,7 +1196,7 @@
     </p:spTree>
     <p:extLst>
       <p:ext uri="{BB962C8B-B14F-4D97-AF65-F5344CB8AC3E}">
-        <p14:creationId xmlns:p14="http://schemas.microsoft.com/office/powerpoint/2010/main" val="2591740063"/>
+        <p14:creationId xmlns:p14="http://schemas.microsoft.com/office/powerpoint/2010/main" val="3643138015"/>
       </p:ext>
     </p:extLst>
   </p:cSld>
@@ -1228,7 +1228,7 @@
           <p:cNvPr id="2" name="标题 1">
             <a:extLst>
               <a:ext uri="{FF2B5EF4-FFF2-40B4-BE49-F238E27FC236}">
-                <a16:creationId xmlns:a16="http://schemas.microsoft.com/office/drawing/2014/main" id="{BB7AECD0-91A1-5BB0-65AB-D52E1C4D2C61}"/>
+                <a16:creationId xmlns:a16="http://schemas.microsoft.com/office/drawing/2014/main" id="{EB3550F8-0A3A-357B-D0BE-F1422627465E}"/>
               </a:ext>
             </a:extLst>
           </p:cNvPr>
@@ -1256,7 +1256,7 @@
           <p:cNvPr id="3" name="内容占位符 2">
             <a:extLst>
               <a:ext uri="{FF2B5EF4-FFF2-40B4-BE49-F238E27FC236}">
-                <a16:creationId xmlns:a16="http://schemas.microsoft.com/office/drawing/2014/main" id="{91832181-C7C3-FFC3-735F-08B4DA9D08B5}"/>
+                <a16:creationId xmlns:a16="http://schemas.microsoft.com/office/drawing/2014/main" id="{BF0E78D5-1B5F-3A6D-6E30-D21A1EB9513F}"/>
               </a:ext>
             </a:extLst>
           </p:cNvPr>
@@ -1318,7 +1318,7 @@
           <p:cNvPr id="4" name="内容占位符 3">
             <a:extLst>
               <a:ext uri="{FF2B5EF4-FFF2-40B4-BE49-F238E27FC236}">
-                <a16:creationId xmlns:a16="http://schemas.microsoft.com/office/drawing/2014/main" id="{9474CD7C-77AC-AD50-6951-3D495351B03A}"/>
+                <a16:creationId xmlns:a16="http://schemas.microsoft.com/office/drawing/2014/main" id="{7B043659-6936-34F2-5F95-A8081A354030}"/>
               </a:ext>
             </a:extLst>
           </p:cNvPr>
@@ -1380,7 +1380,7 @@
           <p:cNvPr id="5" name="日期占位符 4">
             <a:extLst>
               <a:ext uri="{FF2B5EF4-FFF2-40B4-BE49-F238E27FC236}">
-                <a16:creationId xmlns:a16="http://schemas.microsoft.com/office/drawing/2014/main" id="{D724AE32-8DE0-3155-5906-8B93688E5E7D}"/>
+                <a16:creationId xmlns:a16="http://schemas.microsoft.com/office/drawing/2014/main" id="{FC2393FE-164B-97EA-2D07-C54827673C49}"/>
               </a:ext>
             </a:extLst>
           </p:cNvPr>
@@ -1396,7 +1396,7 @@
           <a:bodyPr/>
           <a:lstStyle/>
           <a:p>
-            <a:fld id="{46C7BE6A-CD63-44E9-84C6-F009B6486BDC}" type="datetimeFigureOut">
+            <a:fld id="{36C22A85-5F95-442E-83F5-74F55EF45617}" type="datetimeFigureOut">
               <a:rPr lang="zh-CN" altLang="en-US" smtClean="0"/>
               <a:t>2024/3/10</a:t>
             </a:fld>
@@ -1409,7 +1409,7 @@
           <p:cNvPr id="6" name="页脚占位符 5">
             <a:extLst>
               <a:ext uri="{FF2B5EF4-FFF2-40B4-BE49-F238E27FC236}">
-                <a16:creationId xmlns:a16="http://schemas.microsoft.com/office/drawing/2014/main" id="{C19E3A0A-43F1-36A0-8CD1-8BC8B5FCFE08}"/>
+                <a16:creationId xmlns:a16="http://schemas.microsoft.com/office/drawing/2014/main" id="{CD7BE68D-7193-E613-8B23-6A57B6B415D4}"/>
               </a:ext>
             </a:extLst>
           </p:cNvPr>
@@ -1434,7 +1434,7 @@
           <p:cNvPr id="7" name="灯片编号占位符 6">
             <a:extLst>
               <a:ext uri="{FF2B5EF4-FFF2-40B4-BE49-F238E27FC236}">
-                <a16:creationId xmlns:a16="http://schemas.microsoft.com/office/drawing/2014/main" id="{38DBE1E5-2714-6BCD-A714-A4D4F70C28A0}"/>
+                <a16:creationId xmlns:a16="http://schemas.microsoft.com/office/drawing/2014/main" id="{7D36D035-A7B9-3C2B-D60D-FB8C95C40899}"/>
               </a:ext>
             </a:extLst>
           </p:cNvPr>
@@ -1450,7 +1450,7 @@
           <a:bodyPr/>
           <a:lstStyle/>
           <a:p>
-            <a:fld id="{33E1B5FD-3231-4F97-9C03-69EF16ACACB2}" type="slidenum">
+            <a:fld id="{F7E31378-459B-4380-B3F0-DEE4C3555A97}" type="slidenum">
               <a:rPr lang="zh-CN" altLang="en-US" smtClean="0"/>
               <a:t>‹#›</a:t>
             </a:fld>
@@ -1461,7 +1461,7 @@
     </p:spTree>
     <p:extLst>
       <p:ext uri="{BB962C8B-B14F-4D97-AF65-F5344CB8AC3E}">
-        <p14:creationId xmlns:p14="http://schemas.microsoft.com/office/powerpoint/2010/main" val="688499729"/>
+        <p14:creationId xmlns:p14="http://schemas.microsoft.com/office/powerpoint/2010/main" val="3513397642"/>
       </p:ext>
     </p:extLst>
   </p:cSld>
@@ -1493,7 +1493,7 @@
           <p:cNvPr id="2" name="标题 1">
             <a:extLst>
               <a:ext uri="{FF2B5EF4-FFF2-40B4-BE49-F238E27FC236}">
-                <a16:creationId xmlns:a16="http://schemas.microsoft.com/office/drawing/2014/main" id="{2785C47F-FFCC-D1DC-CBF0-0FF40B1C3DE5}"/>
+                <a16:creationId xmlns:a16="http://schemas.microsoft.com/office/drawing/2014/main" id="{56F8B6AB-13B4-5885-8224-949EC02C8360}"/>
               </a:ext>
             </a:extLst>
           </p:cNvPr>
@@ -1526,7 +1526,7 @@
           <p:cNvPr id="3" name="文本占位符 2">
             <a:extLst>
               <a:ext uri="{FF2B5EF4-FFF2-40B4-BE49-F238E27FC236}">
-                <a16:creationId xmlns:a16="http://schemas.microsoft.com/office/drawing/2014/main" id="{6142BCC0-8236-3B07-76D0-937BF87521BB}"/>
+                <a16:creationId xmlns:a16="http://schemas.microsoft.com/office/drawing/2014/main" id="{A6C92376-29DA-4F06-8C8E-D051E4DE249E}"/>
               </a:ext>
             </a:extLst>
           </p:cNvPr>
@@ -1597,7 +1597,7 @@
           <p:cNvPr id="4" name="内容占位符 3">
             <a:extLst>
               <a:ext uri="{FF2B5EF4-FFF2-40B4-BE49-F238E27FC236}">
-                <a16:creationId xmlns:a16="http://schemas.microsoft.com/office/drawing/2014/main" id="{48FD7A9F-34D6-0315-B1EE-124BC6B54F3F}"/>
+                <a16:creationId xmlns:a16="http://schemas.microsoft.com/office/drawing/2014/main" id="{5EA92A2E-AEBE-92BD-B950-40D05C4128E3}"/>
               </a:ext>
             </a:extLst>
           </p:cNvPr>
@@ -1659,7 +1659,7 @@
           <p:cNvPr id="5" name="文本占位符 4">
             <a:extLst>
               <a:ext uri="{FF2B5EF4-FFF2-40B4-BE49-F238E27FC236}">
-                <a16:creationId xmlns:a16="http://schemas.microsoft.com/office/drawing/2014/main" id="{1B93EDA7-C46D-4F93-4BD1-9B66BD67928C}"/>
+                <a16:creationId xmlns:a16="http://schemas.microsoft.com/office/drawing/2014/main" id="{AD01CB62-1AEA-C9A9-C721-16DE49E432FB}"/>
               </a:ext>
             </a:extLst>
           </p:cNvPr>
@@ -1730,7 +1730,7 @@
           <p:cNvPr id="6" name="内容占位符 5">
             <a:extLst>
               <a:ext uri="{FF2B5EF4-FFF2-40B4-BE49-F238E27FC236}">
-                <a16:creationId xmlns:a16="http://schemas.microsoft.com/office/drawing/2014/main" id="{57CE702A-53F5-65B8-1618-55D306AF02BB}"/>
+                <a16:creationId xmlns:a16="http://schemas.microsoft.com/office/drawing/2014/main" id="{93BB39BD-7E1B-3D05-726A-7D4BA24FE6B9}"/>
               </a:ext>
             </a:extLst>
           </p:cNvPr>
@@ -1792,7 +1792,7 @@
           <p:cNvPr id="7" name="日期占位符 6">
             <a:extLst>
               <a:ext uri="{FF2B5EF4-FFF2-40B4-BE49-F238E27FC236}">
-                <a16:creationId xmlns:a16="http://schemas.microsoft.com/office/drawing/2014/main" id="{FCBB85C6-8041-6B4E-382D-1229BE9D2CB7}"/>
+                <a16:creationId xmlns:a16="http://schemas.microsoft.com/office/drawing/2014/main" id="{855561FF-7719-ED47-3E44-F66809E3AF15}"/>
               </a:ext>
             </a:extLst>
           </p:cNvPr>
@@ -1808,7 +1808,7 @@
           <a:bodyPr/>
           <a:lstStyle/>
           <a:p>
-            <a:fld id="{46C7BE6A-CD63-44E9-84C6-F009B6486BDC}" type="datetimeFigureOut">
+            <a:fld id="{36C22A85-5F95-442E-83F5-74F55EF45617}" type="datetimeFigureOut">
               <a:rPr lang="zh-CN" altLang="en-US" smtClean="0"/>
               <a:t>2024/3/10</a:t>
             </a:fld>
@@ -1821,7 +1821,7 @@
           <p:cNvPr id="8" name="页脚占位符 7">
             <a:extLst>
               <a:ext uri="{FF2B5EF4-FFF2-40B4-BE49-F238E27FC236}">
-                <a16:creationId xmlns:a16="http://schemas.microsoft.com/office/drawing/2014/main" id="{F1D52B32-C993-4ED2-6AD3-23CDF9A9D893}"/>
+                <a16:creationId xmlns:a16="http://schemas.microsoft.com/office/drawing/2014/main" id="{56F2B409-3958-6FAE-04EC-465D93A1593E}"/>
               </a:ext>
             </a:extLst>
           </p:cNvPr>
@@ -1846,7 +1846,7 @@
           <p:cNvPr id="9" name="灯片编号占位符 8">
             <a:extLst>
               <a:ext uri="{FF2B5EF4-FFF2-40B4-BE49-F238E27FC236}">
-                <a16:creationId xmlns:a16="http://schemas.microsoft.com/office/drawing/2014/main" id="{AF807095-F03F-C77B-1019-BF8F679936C5}"/>
+                <a16:creationId xmlns:a16="http://schemas.microsoft.com/office/drawing/2014/main" id="{75A13990-4010-5C95-2C08-BFA22C5FEAB1}"/>
               </a:ext>
             </a:extLst>
           </p:cNvPr>
@@ -1862,7 +1862,7 @@
           <a:bodyPr/>
           <a:lstStyle/>
           <a:p>
-            <a:fld id="{33E1B5FD-3231-4F97-9C03-69EF16ACACB2}" type="slidenum">
+            <a:fld id="{F7E31378-459B-4380-B3F0-DEE4C3555A97}" type="slidenum">
               <a:rPr lang="zh-CN" altLang="en-US" smtClean="0"/>
               <a:t>‹#›</a:t>
             </a:fld>
@@ -1873,7 +1873,7 @@
     </p:spTree>
     <p:extLst>
       <p:ext uri="{BB962C8B-B14F-4D97-AF65-F5344CB8AC3E}">
-        <p14:creationId xmlns:p14="http://schemas.microsoft.com/office/powerpoint/2010/main" val="637624478"/>
+        <p14:creationId xmlns:p14="http://schemas.microsoft.com/office/powerpoint/2010/main" val="1251004933"/>
       </p:ext>
     </p:extLst>
   </p:cSld>
@@ -1905,7 +1905,7 @@
           <p:cNvPr id="2" name="标题 1">
             <a:extLst>
               <a:ext uri="{FF2B5EF4-FFF2-40B4-BE49-F238E27FC236}">
-                <a16:creationId xmlns:a16="http://schemas.microsoft.com/office/drawing/2014/main" id="{8C091A34-3828-CD1B-FC24-EB655BF03EE7}"/>
+                <a16:creationId xmlns:a16="http://schemas.microsoft.com/office/drawing/2014/main" id="{5B882E30-1961-8AB4-A8C6-33317523E689}"/>
               </a:ext>
             </a:extLst>
           </p:cNvPr>
@@ -1933,7 +1933,7 @@
           <p:cNvPr id="3" name="日期占位符 2">
             <a:extLst>
               <a:ext uri="{FF2B5EF4-FFF2-40B4-BE49-F238E27FC236}">
-                <a16:creationId xmlns:a16="http://schemas.microsoft.com/office/drawing/2014/main" id="{B26CD923-E251-C1B7-2267-6E0AA2DB6AE1}"/>
+                <a16:creationId xmlns:a16="http://schemas.microsoft.com/office/drawing/2014/main" id="{9D985820-27B0-68EC-147F-8614CDD45BD9}"/>
               </a:ext>
             </a:extLst>
           </p:cNvPr>
@@ -1949,7 +1949,7 @@
           <a:bodyPr/>
           <a:lstStyle/>
           <a:p>
-            <a:fld id="{46C7BE6A-CD63-44E9-84C6-F009B6486BDC}" type="datetimeFigureOut">
+            <a:fld id="{36C22A85-5F95-442E-83F5-74F55EF45617}" type="datetimeFigureOut">
               <a:rPr lang="zh-CN" altLang="en-US" smtClean="0"/>
               <a:t>2024/3/10</a:t>
             </a:fld>
@@ -1962,7 +1962,7 @@
           <p:cNvPr id="4" name="页脚占位符 3">
             <a:extLst>
               <a:ext uri="{FF2B5EF4-FFF2-40B4-BE49-F238E27FC236}">
-                <a16:creationId xmlns:a16="http://schemas.microsoft.com/office/drawing/2014/main" id="{70342BAD-A230-81E3-8E18-EBE0940800F2}"/>
+                <a16:creationId xmlns:a16="http://schemas.microsoft.com/office/drawing/2014/main" id="{09FA43DC-D897-9B93-6928-DCC983A6561A}"/>
               </a:ext>
             </a:extLst>
           </p:cNvPr>
@@ -1987,7 +1987,7 @@
           <p:cNvPr id="5" name="灯片编号占位符 4">
             <a:extLst>
               <a:ext uri="{FF2B5EF4-FFF2-40B4-BE49-F238E27FC236}">
-                <a16:creationId xmlns:a16="http://schemas.microsoft.com/office/drawing/2014/main" id="{08B5812B-FBB9-F6BA-A8B1-2DE4D43FBC0F}"/>
+                <a16:creationId xmlns:a16="http://schemas.microsoft.com/office/drawing/2014/main" id="{61153537-AEA8-1D07-CCFB-E4077D1444B2}"/>
               </a:ext>
             </a:extLst>
           </p:cNvPr>
@@ -2003,7 +2003,7 @@
           <a:bodyPr/>
           <a:lstStyle/>
           <a:p>
-            <a:fld id="{33E1B5FD-3231-4F97-9C03-69EF16ACACB2}" type="slidenum">
+            <a:fld id="{F7E31378-459B-4380-B3F0-DEE4C3555A97}" type="slidenum">
               <a:rPr lang="zh-CN" altLang="en-US" smtClean="0"/>
               <a:t>‹#›</a:t>
             </a:fld>
@@ -2014,7 +2014,7 @@
     </p:spTree>
     <p:extLst>
       <p:ext uri="{BB962C8B-B14F-4D97-AF65-F5344CB8AC3E}">
-        <p14:creationId xmlns:p14="http://schemas.microsoft.com/office/powerpoint/2010/main" val="3349730746"/>
+        <p14:creationId xmlns:p14="http://schemas.microsoft.com/office/powerpoint/2010/main" val="2352650470"/>
       </p:ext>
     </p:extLst>
   </p:cSld>
@@ -2046,7 +2046,7 @@
           <p:cNvPr id="2" name="日期占位符 1">
             <a:extLst>
               <a:ext uri="{FF2B5EF4-FFF2-40B4-BE49-F238E27FC236}">
-                <a16:creationId xmlns:a16="http://schemas.microsoft.com/office/drawing/2014/main" id="{E3B11091-561E-0696-CBB6-09809C4A2A44}"/>
+                <a16:creationId xmlns:a16="http://schemas.microsoft.com/office/drawing/2014/main" id="{3ECE269E-1ACB-3157-1720-25E8B3E5C76B}"/>
               </a:ext>
             </a:extLst>
           </p:cNvPr>
@@ -2062,7 +2062,7 @@
           <a:bodyPr/>
           <a:lstStyle/>
           <a:p>
-            <a:fld id="{46C7BE6A-CD63-44E9-84C6-F009B6486BDC}" type="datetimeFigureOut">
+            <a:fld id="{36C22A85-5F95-442E-83F5-74F55EF45617}" type="datetimeFigureOut">
               <a:rPr lang="zh-CN" altLang="en-US" smtClean="0"/>
               <a:t>2024/3/10</a:t>
             </a:fld>
@@ -2075,7 +2075,7 @@
           <p:cNvPr id="3" name="页脚占位符 2">
             <a:extLst>
               <a:ext uri="{FF2B5EF4-FFF2-40B4-BE49-F238E27FC236}">
-                <a16:creationId xmlns:a16="http://schemas.microsoft.com/office/drawing/2014/main" id="{5238DF02-603B-1849-F350-BD0C73061002}"/>
+                <a16:creationId xmlns:a16="http://schemas.microsoft.com/office/drawing/2014/main" id="{040B502B-BD23-8DED-8125-D3888DA2D733}"/>
               </a:ext>
             </a:extLst>
           </p:cNvPr>
@@ -2100,7 +2100,7 @@
           <p:cNvPr id="4" name="灯片编号占位符 3">
             <a:extLst>
               <a:ext uri="{FF2B5EF4-FFF2-40B4-BE49-F238E27FC236}">
-                <a16:creationId xmlns:a16="http://schemas.microsoft.com/office/drawing/2014/main" id="{43901A4E-FB76-97F3-93BD-7E1083AB4FCC}"/>
+                <a16:creationId xmlns:a16="http://schemas.microsoft.com/office/drawing/2014/main" id="{76D8D36B-702E-5A38-8543-29440521D09B}"/>
               </a:ext>
             </a:extLst>
           </p:cNvPr>
@@ -2116,7 +2116,7 @@
           <a:bodyPr/>
           <a:lstStyle/>
           <a:p>
-            <a:fld id="{33E1B5FD-3231-4F97-9C03-69EF16ACACB2}" type="slidenum">
+            <a:fld id="{F7E31378-459B-4380-B3F0-DEE4C3555A97}" type="slidenum">
               <a:rPr lang="zh-CN" altLang="en-US" smtClean="0"/>
               <a:t>‹#›</a:t>
             </a:fld>
@@ -2127,7 +2127,7 @@
     </p:spTree>
     <p:extLst>
       <p:ext uri="{BB962C8B-B14F-4D97-AF65-F5344CB8AC3E}">
-        <p14:creationId xmlns:p14="http://schemas.microsoft.com/office/powerpoint/2010/main" val="1867420533"/>
+        <p14:creationId xmlns:p14="http://schemas.microsoft.com/office/powerpoint/2010/main" val="3120467685"/>
       </p:ext>
     </p:extLst>
   </p:cSld>
@@ -2159,7 +2159,7 @@
           <p:cNvPr id="2" name="标题 1">
             <a:extLst>
               <a:ext uri="{FF2B5EF4-FFF2-40B4-BE49-F238E27FC236}">
-                <a16:creationId xmlns:a16="http://schemas.microsoft.com/office/drawing/2014/main" id="{304735E8-F092-6680-1251-AE8490D0F30C}"/>
+                <a16:creationId xmlns:a16="http://schemas.microsoft.com/office/drawing/2014/main" id="{52982133-0BB2-F77C-26E8-76E495DBCD45}"/>
               </a:ext>
             </a:extLst>
           </p:cNvPr>
@@ -2196,7 +2196,7 @@
           <p:cNvPr id="3" name="内容占位符 2">
             <a:extLst>
               <a:ext uri="{FF2B5EF4-FFF2-40B4-BE49-F238E27FC236}">
-                <a16:creationId xmlns:a16="http://schemas.microsoft.com/office/drawing/2014/main" id="{2620AB93-75B0-70A5-FFC2-0A42611A23FF}"/>
+                <a16:creationId xmlns:a16="http://schemas.microsoft.com/office/drawing/2014/main" id="{A55F0EA7-059C-7EB8-E6E8-66F773071FC9}"/>
               </a:ext>
             </a:extLst>
           </p:cNvPr>
@@ -2286,7 +2286,7 @@
           <p:cNvPr id="4" name="文本占位符 3">
             <a:extLst>
               <a:ext uri="{FF2B5EF4-FFF2-40B4-BE49-F238E27FC236}">
-                <a16:creationId xmlns:a16="http://schemas.microsoft.com/office/drawing/2014/main" id="{930F483E-6619-AF13-9BEA-AD6EF3B8170B}"/>
+                <a16:creationId xmlns:a16="http://schemas.microsoft.com/office/drawing/2014/main" id="{F0961D4B-C7E7-C87E-E0E4-64A32DF6B88B}"/>
               </a:ext>
             </a:extLst>
           </p:cNvPr>
@@ -2357,7 +2357,7 @@
           <p:cNvPr id="5" name="日期占位符 4">
             <a:extLst>
               <a:ext uri="{FF2B5EF4-FFF2-40B4-BE49-F238E27FC236}">
-                <a16:creationId xmlns:a16="http://schemas.microsoft.com/office/drawing/2014/main" id="{E0BB255B-CB34-F3E6-31BA-E5634124883A}"/>
+                <a16:creationId xmlns:a16="http://schemas.microsoft.com/office/drawing/2014/main" id="{2B2C0046-FF37-EF11-BB1D-F08FB770CF42}"/>
               </a:ext>
             </a:extLst>
           </p:cNvPr>
@@ -2373,7 +2373,7 @@
           <a:bodyPr/>
           <a:lstStyle/>
           <a:p>
-            <a:fld id="{46C7BE6A-CD63-44E9-84C6-F009B6486BDC}" type="datetimeFigureOut">
+            <a:fld id="{36C22A85-5F95-442E-83F5-74F55EF45617}" type="datetimeFigureOut">
               <a:rPr lang="zh-CN" altLang="en-US" smtClean="0"/>
               <a:t>2024/3/10</a:t>
             </a:fld>
@@ -2386,7 +2386,7 @@
           <p:cNvPr id="6" name="页脚占位符 5">
             <a:extLst>
               <a:ext uri="{FF2B5EF4-FFF2-40B4-BE49-F238E27FC236}">
-                <a16:creationId xmlns:a16="http://schemas.microsoft.com/office/drawing/2014/main" id="{AB570073-AD83-096A-181C-5DEBD57CDF89}"/>
+                <a16:creationId xmlns:a16="http://schemas.microsoft.com/office/drawing/2014/main" id="{FF66D70A-3712-79A7-2988-37656277E04B}"/>
               </a:ext>
             </a:extLst>
           </p:cNvPr>
@@ -2411,7 +2411,7 @@
           <p:cNvPr id="7" name="灯片编号占位符 6">
             <a:extLst>
               <a:ext uri="{FF2B5EF4-FFF2-40B4-BE49-F238E27FC236}">
-                <a16:creationId xmlns:a16="http://schemas.microsoft.com/office/drawing/2014/main" id="{919F5563-09C1-D3AE-3D73-B62F9F99E9BD}"/>
+                <a16:creationId xmlns:a16="http://schemas.microsoft.com/office/drawing/2014/main" id="{146B3E4C-CB11-07EB-7CE1-FF45E628293E}"/>
               </a:ext>
             </a:extLst>
           </p:cNvPr>
@@ -2427,7 +2427,7 @@
           <a:bodyPr/>
           <a:lstStyle/>
           <a:p>
-            <a:fld id="{33E1B5FD-3231-4F97-9C03-69EF16ACACB2}" type="slidenum">
+            <a:fld id="{F7E31378-459B-4380-B3F0-DEE4C3555A97}" type="slidenum">
               <a:rPr lang="zh-CN" altLang="en-US" smtClean="0"/>
               <a:t>‹#›</a:t>
             </a:fld>
@@ -2438,7 +2438,7 @@
     </p:spTree>
     <p:extLst>
       <p:ext uri="{BB962C8B-B14F-4D97-AF65-F5344CB8AC3E}">
-        <p14:creationId xmlns:p14="http://schemas.microsoft.com/office/powerpoint/2010/main" val="1781547410"/>
+        <p14:creationId xmlns:p14="http://schemas.microsoft.com/office/powerpoint/2010/main" val="3755359160"/>
       </p:ext>
     </p:extLst>
   </p:cSld>
@@ -2470,7 +2470,7 @@
           <p:cNvPr id="2" name="标题 1">
             <a:extLst>
               <a:ext uri="{FF2B5EF4-FFF2-40B4-BE49-F238E27FC236}">
-                <a16:creationId xmlns:a16="http://schemas.microsoft.com/office/drawing/2014/main" id="{612463EB-1FFF-5CBF-DD0D-5C9CCEF148E6}"/>
+                <a16:creationId xmlns:a16="http://schemas.microsoft.com/office/drawing/2014/main" id="{12E9862D-DA18-10FB-F05C-4FF32FEA08F2}"/>
               </a:ext>
             </a:extLst>
           </p:cNvPr>
@@ -2507,7 +2507,7 @@
           <p:cNvPr id="3" name="图片占位符 2">
             <a:extLst>
               <a:ext uri="{FF2B5EF4-FFF2-40B4-BE49-F238E27FC236}">
-                <a16:creationId xmlns:a16="http://schemas.microsoft.com/office/drawing/2014/main" id="{68E1BA25-6051-837B-0FA7-E41F4F6CFF23}"/>
+                <a16:creationId xmlns:a16="http://schemas.microsoft.com/office/drawing/2014/main" id="{7BEE677D-2BBB-54E3-6F3B-DF404990B78E}"/>
               </a:ext>
             </a:extLst>
           </p:cNvPr>
@@ -2574,7 +2574,7 @@
           <p:cNvPr id="4" name="文本占位符 3">
             <a:extLst>
               <a:ext uri="{FF2B5EF4-FFF2-40B4-BE49-F238E27FC236}">
-                <a16:creationId xmlns:a16="http://schemas.microsoft.com/office/drawing/2014/main" id="{9F611BDB-1EF4-A69F-24B5-B1032DF75520}"/>
+                <a16:creationId xmlns:a16="http://schemas.microsoft.com/office/drawing/2014/main" id="{37B8801D-CCD1-73D9-8760-E836B9E98AC0}"/>
               </a:ext>
             </a:extLst>
           </p:cNvPr>
@@ -2645,7 +2645,7 @@
           <p:cNvPr id="5" name="日期占位符 4">
             <a:extLst>
               <a:ext uri="{FF2B5EF4-FFF2-40B4-BE49-F238E27FC236}">
-                <a16:creationId xmlns:a16="http://schemas.microsoft.com/office/drawing/2014/main" id="{AE7CE398-F1AD-D476-2706-69799C7D5F24}"/>
+                <a16:creationId xmlns:a16="http://schemas.microsoft.com/office/drawing/2014/main" id="{3EA28938-6003-6794-A99C-596BE04C42F0}"/>
               </a:ext>
             </a:extLst>
           </p:cNvPr>
@@ -2661,7 +2661,7 @@
           <a:bodyPr/>
           <a:lstStyle/>
           <a:p>
-            <a:fld id="{46C7BE6A-CD63-44E9-84C6-F009B6486BDC}" type="datetimeFigureOut">
+            <a:fld id="{36C22A85-5F95-442E-83F5-74F55EF45617}" type="datetimeFigureOut">
               <a:rPr lang="zh-CN" altLang="en-US" smtClean="0"/>
               <a:t>2024/3/10</a:t>
             </a:fld>
@@ -2674,7 +2674,7 @@
           <p:cNvPr id="6" name="页脚占位符 5">
             <a:extLst>
               <a:ext uri="{FF2B5EF4-FFF2-40B4-BE49-F238E27FC236}">
-                <a16:creationId xmlns:a16="http://schemas.microsoft.com/office/drawing/2014/main" id="{43FE1EA0-F2AD-34ED-8630-20C7DCFB026B}"/>
+                <a16:creationId xmlns:a16="http://schemas.microsoft.com/office/drawing/2014/main" id="{7DE556A4-1F7E-5CA7-6038-43B43F07153C}"/>
               </a:ext>
             </a:extLst>
           </p:cNvPr>
@@ -2699,7 +2699,7 @@
           <p:cNvPr id="7" name="灯片编号占位符 6">
             <a:extLst>
               <a:ext uri="{FF2B5EF4-FFF2-40B4-BE49-F238E27FC236}">
-                <a16:creationId xmlns:a16="http://schemas.microsoft.com/office/drawing/2014/main" id="{0396FFF0-A6E8-9875-B317-0CB7436986C4}"/>
+                <a16:creationId xmlns:a16="http://schemas.microsoft.com/office/drawing/2014/main" id="{F3E2833C-F460-1DFA-6BA2-0856BD2B7622}"/>
               </a:ext>
             </a:extLst>
           </p:cNvPr>
@@ -2715,7 +2715,7 @@
           <a:bodyPr/>
           <a:lstStyle/>
           <a:p>
-            <a:fld id="{33E1B5FD-3231-4F97-9C03-69EF16ACACB2}" type="slidenum">
+            <a:fld id="{F7E31378-459B-4380-B3F0-DEE4C3555A97}" type="slidenum">
               <a:rPr lang="zh-CN" altLang="en-US" smtClean="0"/>
               <a:t>‹#›</a:t>
             </a:fld>
@@ -2726,7 +2726,7 @@
     </p:spTree>
     <p:extLst>
       <p:ext uri="{BB962C8B-B14F-4D97-AF65-F5344CB8AC3E}">
-        <p14:creationId xmlns:p14="http://schemas.microsoft.com/office/powerpoint/2010/main" val="3877431747"/>
+        <p14:creationId xmlns:p14="http://schemas.microsoft.com/office/powerpoint/2010/main" val="3485462359"/>
       </p:ext>
     </p:extLst>
   </p:cSld>
@@ -2763,7 +2763,7 @@
           <p:cNvPr id="2" name="标题占位符 1">
             <a:extLst>
               <a:ext uri="{FF2B5EF4-FFF2-40B4-BE49-F238E27FC236}">
-                <a16:creationId xmlns:a16="http://schemas.microsoft.com/office/drawing/2014/main" id="{2182E883-0753-3FD6-0232-FBB9C006BE0E}"/>
+                <a16:creationId xmlns:a16="http://schemas.microsoft.com/office/drawing/2014/main" id="{898631EA-8142-D97B-45E8-8418B70FEDF6}"/>
               </a:ext>
             </a:extLst>
           </p:cNvPr>
@@ -2801,7 +2801,7 @@
           <p:cNvPr id="3" name="文本占位符 2">
             <a:extLst>
               <a:ext uri="{FF2B5EF4-FFF2-40B4-BE49-F238E27FC236}">
-                <a16:creationId xmlns:a16="http://schemas.microsoft.com/office/drawing/2014/main" id="{B4FB3B51-F0F0-86EF-B547-45AB0B1D2273}"/>
+                <a16:creationId xmlns:a16="http://schemas.microsoft.com/office/drawing/2014/main" id="{D4689760-33E1-CD04-A875-89F783906EC6}"/>
               </a:ext>
             </a:extLst>
           </p:cNvPr>
@@ -2868,7 +2868,7 @@
           <p:cNvPr id="4" name="日期占位符 3">
             <a:extLst>
               <a:ext uri="{FF2B5EF4-FFF2-40B4-BE49-F238E27FC236}">
-                <a16:creationId xmlns:a16="http://schemas.microsoft.com/office/drawing/2014/main" id="{6BA6E012-96DF-4D9B-2D38-F92A5B3CC5D4}"/>
+                <a16:creationId xmlns:a16="http://schemas.microsoft.com/office/drawing/2014/main" id="{F09454F2-BC80-BC05-2E9E-FB3F71D9FA06}"/>
               </a:ext>
             </a:extLst>
           </p:cNvPr>
@@ -2902,7 +2902,7 @@
             </a:lvl1pPr>
           </a:lstStyle>
           <a:p>
-            <a:fld id="{46C7BE6A-CD63-44E9-84C6-F009B6486BDC}" type="datetimeFigureOut">
+            <a:fld id="{36C22A85-5F95-442E-83F5-74F55EF45617}" type="datetimeFigureOut">
               <a:rPr lang="zh-CN" altLang="en-US" smtClean="0"/>
               <a:t>2024/3/10</a:t>
             </a:fld>
@@ -2915,7 +2915,7 @@
           <p:cNvPr id="5" name="页脚占位符 4">
             <a:extLst>
               <a:ext uri="{FF2B5EF4-FFF2-40B4-BE49-F238E27FC236}">
-                <a16:creationId xmlns:a16="http://schemas.microsoft.com/office/drawing/2014/main" id="{806F5011-DFE5-98C2-9915-03F094DDA225}"/>
+                <a16:creationId xmlns:a16="http://schemas.microsoft.com/office/drawing/2014/main" id="{DB1F3FFC-87C4-CFE9-1451-AB2D1D49E84E}"/>
               </a:ext>
             </a:extLst>
           </p:cNvPr>
@@ -2958,7 +2958,7 @@
           <p:cNvPr id="6" name="灯片编号占位符 5">
             <a:extLst>
               <a:ext uri="{FF2B5EF4-FFF2-40B4-BE49-F238E27FC236}">
-                <a16:creationId xmlns:a16="http://schemas.microsoft.com/office/drawing/2014/main" id="{1B5F01A9-3A1F-404A-EFBA-AEADFB7C42FE}"/>
+                <a16:creationId xmlns:a16="http://schemas.microsoft.com/office/drawing/2014/main" id="{442235D4-7E1C-C000-2021-D9978A7FEDAB}"/>
               </a:ext>
             </a:extLst>
           </p:cNvPr>
@@ -2992,7 +2992,7 @@
             </a:lvl1pPr>
           </a:lstStyle>
           <a:p>
-            <a:fld id="{33E1B5FD-3231-4F97-9C03-69EF16ACACB2}" type="slidenum">
+            <a:fld id="{F7E31378-459B-4380-B3F0-DEE4C3555A97}" type="slidenum">
               <a:rPr lang="zh-CN" altLang="en-US" smtClean="0"/>
               <a:t>‹#›</a:t>
             </a:fld>
@@ -3003,7 +3003,7 @@
     </p:spTree>
     <p:extLst>
       <p:ext uri="{BB962C8B-B14F-4D97-AF65-F5344CB8AC3E}">
-        <p14:creationId xmlns:p14="http://schemas.microsoft.com/office/powerpoint/2010/main" val="3156153128"/>
+        <p14:creationId xmlns:p14="http://schemas.microsoft.com/office/powerpoint/2010/main" val="2882083327"/>
       </p:ext>
     </p:extLst>
   </p:cSld>
@@ -3323,7 +3323,7 @@
       </p:grpSpPr>
       <p:pic>
         <p:nvPicPr>
-          <p:cNvPr id="1233922" name="Picture 2" descr="1204"/>
+          <p:cNvPr id="1234946" name="Picture 2" descr="1205"/>
           <p:cNvPicPr>
             <a:picLocks noChangeAspect="1" noChangeArrowheads="1"/>
           </p:cNvPicPr>
@@ -3375,158 +3375,11 @@
           </a:extLst>
         </p:spPr>
       </p:pic>
-      <p:pic>
-        <p:nvPicPr>
-          <p:cNvPr id="1234947" name="Picture 3" descr="1204-2"/>
-          <p:cNvPicPr>
-            <a:picLocks noChangeAspect="1" noChangeArrowheads="1"/>
-          </p:cNvPicPr>
-          <p:nvPr/>
-        </p:nvPicPr>
-        <p:blipFill>
-          <a:blip r:embed="rId3">
-            <a:extLst>
-              <a:ext uri="{28A0092B-C50C-407E-A947-70E740481C1C}">
-                <a14:useLocalDpi xmlns:a14="http://schemas.microsoft.com/office/drawing/2010/main" val="0"/>
-              </a:ext>
-            </a:extLst>
-          </a:blip>
-          <a:srcRect/>
-          <a:stretch>
-            <a:fillRect/>
-          </a:stretch>
-        </p:blipFill>
-        <p:spPr bwMode="auto">
-          <a:xfrm>
-            <a:off x="1524000" y="0"/>
-            <a:ext cx="9144000" cy="6858000"/>
-          </a:xfrm>
-          <a:prstGeom prst="rect">
-            <a:avLst/>
-          </a:prstGeom>
-          <a:noFill/>
-          <a:ln>
-            <a:noFill/>
-          </a:ln>
-          <a:effectLst/>
-          <a:extLst>
-            <a:ext uri="{909E8E84-426E-40DD-AFC4-6F175D3DCCD1}">
-              <a14:hiddenFill xmlns:a14="http://schemas.microsoft.com/office/drawing/2010/main">
-                <a:solidFill>
-                  <a:srgbClr val="FFFFFF"/>
-                </a:solidFill>
-              </a14:hiddenFill>
-            </a:ext>
-            <a:ext uri="{91240B29-F687-4F45-9708-019B960494DF}">
-              <a14:hiddenLine xmlns:a14="http://schemas.microsoft.com/office/drawing/2010/main" w="9525">
-                <a:solidFill>
-                  <a:srgbClr val="000000"/>
-                </a:solidFill>
-                <a:miter lim="800000"/>
-                <a:headEnd/>
-                <a:tailEnd/>
-              </a14:hiddenLine>
-            </a:ext>
-            <a:ext uri="{AF507438-7753-43E0-B8FC-AC1667EBCBE1}">
-              <a14:hiddenEffects xmlns:a14="http://schemas.microsoft.com/office/drawing/2010/main">
-                <a:effectLst>
-                  <a:outerShdw dist="35921" dir="2700000" algn="ctr" rotWithShape="0">
-                    <a:srgbClr val="808080"/>
-                  </a:outerShdw>
-                </a:effectLst>
-              </a14:hiddenEffects>
-            </a:ext>
-          </a:extLst>
-        </p:spPr>
-      </p:pic>
     </p:spTree>
   </p:cSld>
   <p:clrMapOvr>
     <a:masterClrMapping/>
   </p:clrMapOvr>
-  <p:timing>
-    <p:tnLst>
-      <p:par>
-        <p:cTn id="1" dur="indefinite" restart="never" nodeType="tmRoot">
-          <p:childTnLst>
-            <p:seq concurrent="1" nextAc="seek">
-              <p:cTn id="2" dur="indefinite" nodeType="mainSeq">
-                <p:childTnLst>
-                  <p:par>
-                    <p:cTn id="3" fill="hold" nodeType="clickPar">
-                      <p:stCondLst>
-                        <p:cond delay="indefinite"/>
-                      </p:stCondLst>
-                      <p:childTnLst>
-                        <p:par>
-                          <p:cTn id="4" fill="hold" nodeType="withGroup">
-                            <p:stCondLst>
-                              <p:cond delay="0"/>
-                            </p:stCondLst>
-                            <p:childTnLst>
-                              <p:par>
-                                <p:cTn id="5" presetID="10" presetClass="entr" presetSubtype="0" fill="hold" nodeType="clickEffect">
-                                  <p:stCondLst>
-                                    <p:cond delay="0"/>
-                                  </p:stCondLst>
-                                  <p:childTnLst>
-                                    <p:set>
-                                      <p:cBhvr>
-                                        <p:cTn id="6" dur="1" fill="hold">
-                                          <p:stCondLst>
-                                            <p:cond delay="0"/>
-                                          </p:stCondLst>
-                                        </p:cTn>
-                                        <p:tgtEl>
-                                          <p:spTgt spid="1234947"/>
-                                        </p:tgtEl>
-                                        <p:attrNameLst>
-                                          <p:attrName>style.visibility</p:attrName>
-                                        </p:attrNameLst>
-                                      </p:cBhvr>
-                                      <p:to>
-                                        <p:strVal val="visible"/>
-                                      </p:to>
-                                    </p:set>
-                                    <p:animEffect transition="in" filter="fade">
-                                      <p:cBhvr>
-                                        <p:cTn id="7" dur="500"/>
-                                        <p:tgtEl>
-                                          <p:spTgt spid="1234947"/>
-                                        </p:tgtEl>
-                                      </p:cBhvr>
-                                    </p:animEffect>
-                                  </p:childTnLst>
-                                </p:cTn>
-                              </p:par>
-                            </p:childTnLst>
-                          </p:cTn>
-                        </p:par>
-                      </p:childTnLst>
-                    </p:cTn>
-                  </p:par>
-                </p:childTnLst>
-              </p:cTn>
-              <p:prevCondLst>
-                <p:cond evt="onPrev" delay="0">
-                  <p:tgtEl>
-                    <p:sldTgt/>
-                  </p:tgtEl>
-                </p:cond>
-              </p:prevCondLst>
-              <p:nextCondLst>
-                <p:cond evt="onNext" delay="0">
-                  <p:tgtEl>
-                    <p:sldTgt/>
-                  </p:tgtEl>
-                </p:cond>
-              </p:nextCondLst>
-            </p:seq>
-          </p:childTnLst>
-        </p:cTn>
-      </p:par>
-    </p:tnLst>
-  </p:timing>
 </p:sld>
 </file>
 
